--- a/Info.pptx
+++ b/Info.pptx
@@ -105,11 +105,12 @@
       </a:defRPr>
     </a:lvl9pPr>
   </p:defaultTextStyle>
+  <p:extLst>
+    <p:ext uri="{EFAFB233-063F-42B5-8137-9DF3F51BA10A}">
+      <p15:sldGuideLst xmlns:p15="http://schemas.microsoft.com/office/powerpoint/2012/main"/>
+    </p:ext>
+  </p:extLst>
 </p:presentation>
-</file>
-
-<file path=ppt/revisionInfo.xml><?xml version="1.0" encoding="utf-8"?>
-<p1510:revInfo xmlns:a="http://schemas.openxmlformats.org/drawingml/2006/main" xmlns:r="http://schemas.openxmlformats.org/officeDocument/2006/relationships" xmlns:p1510="http://schemas.microsoft.com/office/powerpoint/2015/10/main"/>
 </file>
 
 <file path=ppt/slideLayouts/slideLayout1.xml><?xml version="1.0" encoding="utf-8"?>
@@ -259,7 +260,7 @@
           <a:p>
             <a:fld id="{23AA1E6C-BD3B-46A5-AF83-D6F6476522B5}" type="datetimeFigureOut">
               <a:rPr lang="uk-UA" smtClean="0"/>
-              <a:t>30.01.2018</a:t>
+              <a:t>24.02.2018</a:t>
             </a:fld>
             <a:endParaRPr lang="uk-UA" dirty="0"/>
           </a:p>
@@ -457,7 +458,7 @@
           <a:p>
             <a:fld id="{23AA1E6C-BD3B-46A5-AF83-D6F6476522B5}" type="datetimeFigureOut">
               <a:rPr lang="uk-UA" smtClean="0"/>
-              <a:t>30.01.2018</a:t>
+              <a:t>24.02.2018</a:t>
             </a:fld>
             <a:endParaRPr lang="uk-UA" dirty="0"/>
           </a:p>
@@ -665,7 +666,7 @@
           <a:p>
             <a:fld id="{23AA1E6C-BD3B-46A5-AF83-D6F6476522B5}" type="datetimeFigureOut">
               <a:rPr lang="uk-UA" smtClean="0"/>
-              <a:t>30.01.2018</a:t>
+              <a:t>24.02.2018</a:t>
             </a:fld>
             <a:endParaRPr lang="uk-UA" dirty="0"/>
           </a:p>
@@ -863,7 +864,7 @@
           <a:p>
             <a:fld id="{23AA1E6C-BD3B-46A5-AF83-D6F6476522B5}" type="datetimeFigureOut">
               <a:rPr lang="uk-UA" smtClean="0"/>
-              <a:t>30.01.2018</a:t>
+              <a:t>24.02.2018</a:t>
             </a:fld>
             <a:endParaRPr lang="uk-UA" dirty="0"/>
           </a:p>
@@ -1138,7 +1139,7 @@
           <a:p>
             <a:fld id="{23AA1E6C-BD3B-46A5-AF83-D6F6476522B5}" type="datetimeFigureOut">
               <a:rPr lang="uk-UA" smtClean="0"/>
-              <a:t>30.01.2018</a:t>
+              <a:t>24.02.2018</a:t>
             </a:fld>
             <a:endParaRPr lang="uk-UA" dirty="0"/>
           </a:p>
@@ -1403,7 +1404,7 @@
           <a:p>
             <a:fld id="{23AA1E6C-BD3B-46A5-AF83-D6F6476522B5}" type="datetimeFigureOut">
               <a:rPr lang="uk-UA" smtClean="0"/>
-              <a:t>30.01.2018</a:t>
+              <a:t>24.02.2018</a:t>
             </a:fld>
             <a:endParaRPr lang="uk-UA" dirty="0"/>
           </a:p>
@@ -1815,7 +1816,7 @@
           <a:p>
             <a:fld id="{23AA1E6C-BD3B-46A5-AF83-D6F6476522B5}" type="datetimeFigureOut">
               <a:rPr lang="uk-UA" smtClean="0"/>
-              <a:t>30.01.2018</a:t>
+              <a:t>24.02.2018</a:t>
             </a:fld>
             <a:endParaRPr lang="uk-UA" dirty="0"/>
           </a:p>
@@ -1956,7 +1957,7 @@
           <a:p>
             <a:fld id="{23AA1E6C-BD3B-46A5-AF83-D6F6476522B5}" type="datetimeFigureOut">
               <a:rPr lang="uk-UA" smtClean="0"/>
-              <a:t>30.01.2018</a:t>
+              <a:t>24.02.2018</a:t>
             </a:fld>
             <a:endParaRPr lang="uk-UA" dirty="0"/>
           </a:p>
@@ -2069,7 +2070,7 @@
           <a:p>
             <a:fld id="{23AA1E6C-BD3B-46A5-AF83-D6F6476522B5}" type="datetimeFigureOut">
               <a:rPr lang="uk-UA" smtClean="0"/>
-              <a:t>30.01.2018</a:t>
+              <a:t>24.02.2018</a:t>
             </a:fld>
             <a:endParaRPr lang="uk-UA" dirty="0"/>
           </a:p>
@@ -2380,7 +2381,7 @@
           <a:p>
             <a:fld id="{23AA1E6C-BD3B-46A5-AF83-D6F6476522B5}" type="datetimeFigureOut">
               <a:rPr lang="uk-UA" smtClean="0"/>
-              <a:t>30.01.2018</a:t>
+              <a:t>24.02.2018</a:t>
             </a:fld>
             <a:endParaRPr lang="uk-UA" dirty="0"/>
           </a:p>
@@ -2668,7 +2669,7 @@
           <a:p>
             <a:fld id="{23AA1E6C-BD3B-46A5-AF83-D6F6476522B5}" type="datetimeFigureOut">
               <a:rPr lang="uk-UA" smtClean="0"/>
-              <a:t>30.01.2018</a:t>
+              <a:t>24.02.2018</a:t>
             </a:fld>
             <a:endParaRPr lang="uk-UA" dirty="0"/>
           </a:p>
@@ -2909,7 +2910,7 @@
           <a:p>
             <a:fld id="{23AA1E6C-BD3B-46A5-AF83-D6F6476522B5}" type="datetimeFigureOut">
               <a:rPr lang="uk-UA" smtClean="0"/>
-              <a:t>30.01.2018</a:t>
+              <a:t>24.02.2018</a:t>
             </a:fld>
             <a:endParaRPr lang="uk-UA" dirty="0"/>
           </a:p>
@@ -3328,10 +3329,10 @@
       </p:grpSpPr>
       <p:sp>
         <p:nvSpPr>
-          <p:cNvPr id="4" name="Прямокутник: округлені кути 3">
-            <a:extLst>
-              <a:ext uri="{FF2B5EF4-FFF2-40B4-BE49-F238E27FC236}">
-                <a16:creationId xmlns:a16="http://schemas.microsoft.com/office/drawing/2014/main" id="{E4D6FF1D-5A2E-440F-B363-69AB288AE726}"/>
+          <p:cNvPr id="11" name="Овал 10">
+            <a:extLst>
+              <a:ext uri="{FF2B5EF4-FFF2-40B4-BE49-F238E27FC236}">
+                <a16:creationId xmlns:a16="http://schemas.microsoft.com/office/drawing/2014/main" id="{91302956-5C51-42F9-BE87-2BA3BE354E2C}"/>
               </a:ext>
             </a:extLst>
           </p:cNvPr>
@@ -3340,337 +3341,7 @@
         </p:nvSpPr>
         <p:spPr>
           <a:xfrm>
-            <a:off x="6593938" y="3185177"/>
-            <a:ext cx="2627013" cy="659397"/>
-          </a:xfrm>
-          <a:prstGeom prst="roundRect">
-            <a:avLst/>
-          </a:prstGeom>
-        </p:spPr>
-        <p:style>
-          <a:lnRef idx="2">
-            <a:schemeClr val="dk1"/>
-          </a:lnRef>
-          <a:fillRef idx="1">
-            <a:schemeClr val="lt1"/>
-          </a:fillRef>
-          <a:effectRef idx="0">
-            <a:schemeClr val="dk1"/>
-          </a:effectRef>
-          <a:fontRef idx="minor">
-            <a:schemeClr val="dk1"/>
-          </a:fontRef>
-        </p:style>
-        <p:txBody>
-          <a:bodyPr rtlCol="0" anchor="ctr"/>
-          <a:lstStyle/>
-          <a:p>
-            <a:pPr algn="ctr"/>
-            <a:r>
-              <a:rPr lang="en-US" dirty="0"/>
-              <a:t>NUWM.Servers.News</a:t>
-            </a:r>
-          </a:p>
-          <a:p>
-            <a:pPr algn="ctr"/>
-            <a:r>
-              <a:rPr lang="en-US" dirty="0"/>
-              <a:t>localhost:3004</a:t>
-            </a:r>
-            <a:endParaRPr lang="uk-UA" dirty="0"/>
-          </a:p>
-        </p:txBody>
-      </p:sp>
-      <p:sp>
-        <p:nvSpPr>
-          <p:cNvPr id="5" name="Прямокутник: округлені кути 4">
-            <a:extLst>
-              <a:ext uri="{FF2B5EF4-FFF2-40B4-BE49-F238E27FC236}">
-                <a16:creationId xmlns:a16="http://schemas.microsoft.com/office/drawing/2014/main" id="{93923CED-D7DE-415E-B625-F5EF3FE767B9}"/>
-              </a:ext>
-            </a:extLst>
-          </p:cNvPr>
-          <p:cNvSpPr/>
-          <p:nvPr/>
-        </p:nvSpPr>
-        <p:spPr>
-          <a:xfrm>
-            <a:off x="6593938" y="5116817"/>
-            <a:ext cx="2627013" cy="659396"/>
-          </a:xfrm>
-          <a:prstGeom prst="roundRect">
-            <a:avLst/>
-          </a:prstGeom>
-        </p:spPr>
-        <p:style>
-          <a:lnRef idx="2">
-            <a:schemeClr val="dk1"/>
-          </a:lnRef>
-          <a:fillRef idx="1">
-            <a:schemeClr val="lt1"/>
-          </a:fillRef>
-          <a:effectRef idx="0">
-            <a:schemeClr val="dk1"/>
-          </a:effectRef>
-          <a:fontRef idx="minor">
-            <a:schemeClr val="dk1"/>
-          </a:fontRef>
-        </p:style>
-        <p:txBody>
-          <a:bodyPr rtlCol="0" anchor="ctr"/>
-          <a:lstStyle/>
-          <a:p>
-            <a:pPr algn="ctr"/>
-            <a:r>
-              <a:rPr lang="en-US" dirty="0"/>
-              <a:t>NUWM.Servers.Schedule</a:t>
-            </a:r>
-          </a:p>
-          <a:p>
-            <a:pPr algn="ctr"/>
-            <a:r>
-              <a:rPr lang="en-US" dirty="0"/>
-              <a:t>localhost:3005</a:t>
-            </a:r>
-            <a:endParaRPr lang="uk-UA" dirty="0"/>
-          </a:p>
-        </p:txBody>
-      </p:sp>
-      <p:sp>
-        <p:nvSpPr>
-          <p:cNvPr id="6" name="Прямокутник: округлені кути 5">
-            <a:extLst>
-              <a:ext uri="{FF2B5EF4-FFF2-40B4-BE49-F238E27FC236}">
-                <a16:creationId xmlns:a16="http://schemas.microsoft.com/office/drawing/2014/main" id="{87A573E1-7F14-4CE4-A8CA-7BE0BCD53958}"/>
-              </a:ext>
-            </a:extLst>
-          </p:cNvPr>
-          <p:cNvSpPr/>
-          <p:nvPr/>
-        </p:nvSpPr>
-        <p:spPr>
-          <a:xfrm>
-            <a:off x="6593937" y="1243327"/>
-            <a:ext cx="2627013" cy="659395"/>
-          </a:xfrm>
-          <a:prstGeom prst="roundRect">
-            <a:avLst/>
-          </a:prstGeom>
-        </p:spPr>
-        <p:style>
-          <a:lnRef idx="2">
-            <a:schemeClr val="dk1"/>
-          </a:lnRef>
-          <a:fillRef idx="1">
-            <a:schemeClr val="lt1"/>
-          </a:fillRef>
-          <a:effectRef idx="0">
-            <a:schemeClr val="dk1"/>
-          </a:effectRef>
-          <a:fontRef idx="minor">
-            <a:schemeClr val="dk1"/>
-          </a:fontRef>
-        </p:style>
-        <p:txBody>
-          <a:bodyPr rtlCol="0" anchor="ctr"/>
-          <a:lstStyle/>
-          <a:p>
-            <a:pPr algn="ctr"/>
-            <a:r>
-              <a:rPr lang="en-US" dirty="0"/>
-              <a:t>NUWM.Servers.Calc</a:t>
-            </a:r>
-          </a:p>
-          <a:p>
-            <a:pPr algn="ctr"/>
-            <a:r>
-              <a:rPr lang="en-US" dirty="0"/>
-              <a:t>localhost:3001</a:t>
-            </a:r>
-            <a:endParaRPr lang="uk-UA" dirty="0"/>
-          </a:p>
-        </p:txBody>
-      </p:sp>
-      <p:sp>
-        <p:nvSpPr>
-          <p:cNvPr id="7" name="Прямокутник: округлені кути 6">
-            <a:extLst>
-              <a:ext uri="{FF2B5EF4-FFF2-40B4-BE49-F238E27FC236}">
-                <a16:creationId xmlns:a16="http://schemas.microsoft.com/office/drawing/2014/main" id="{110EB5EA-B8C2-4382-9407-B4AF13767570}"/>
-              </a:ext>
-            </a:extLst>
-          </p:cNvPr>
-          <p:cNvSpPr/>
-          <p:nvPr/>
-        </p:nvSpPr>
-        <p:spPr>
-          <a:xfrm>
-            <a:off x="3853756" y="5115314"/>
-            <a:ext cx="2501776" cy="660899"/>
-          </a:xfrm>
-          <a:prstGeom prst="roundRect">
-            <a:avLst/>
-          </a:prstGeom>
-        </p:spPr>
-        <p:style>
-          <a:lnRef idx="2">
-            <a:schemeClr val="dk1"/>
-          </a:lnRef>
-          <a:fillRef idx="1">
-            <a:schemeClr val="lt1"/>
-          </a:fillRef>
-          <a:effectRef idx="0">
-            <a:schemeClr val="dk1"/>
-          </a:effectRef>
-          <a:fontRef idx="minor">
-            <a:schemeClr val="dk1"/>
-          </a:fontRef>
-        </p:style>
-        <p:txBody>
-          <a:bodyPr rtlCol="0" anchor="ctr"/>
-          <a:lstStyle/>
-          <a:p>
-            <a:pPr algn="ctr"/>
-            <a:r>
-              <a:rPr lang="en-US" dirty="0"/>
-              <a:t>NUWM.Servers.Bridge</a:t>
-            </a:r>
-          </a:p>
-          <a:p>
-            <a:pPr algn="ctr"/>
-            <a:r>
-              <a:rPr lang="en-US" dirty="0"/>
-              <a:t>localhost:3003</a:t>
-            </a:r>
-            <a:endParaRPr lang="uk-UA" dirty="0"/>
-          </a:p>
-        </p:txBody>
-      </p:sp>
-      <p:sp>
-        <p:nvSpPr>
-          <p:cNvPr id="8" name="Прямокутник: округлені кути 7">
-            <a:extLst>
-              <a:ext uri="{FF2B5EF4-FFF2-40B4-BE49-F238E27FC236}">
-                <a16:creationId xmlns:a16="http://schemas.microsoft.com/office/drawing/2014/main" id="{A675EECC-6AF9-4710-A6B9-479283D2BFDF}"/>
-              </a:ext>
-            </a:extLst>
-          </p:cNvPr>
-          <p:cNvSpPr/>
-          <p:nvPr/>
-        </p:nvSpPr>
-        <p:spPr>
-          <a:xfrm>
-            <a:off x="3853756" y="3183675"/>
-            <a:ext cx="2501776" cy="660899"/>
-          </a:xfrm>
-          <a:prstGeom prst="roundRect">
-            <a:avLst/>
-          </a:prstGeom>
-        </p:spPr>
-        <p:style>
-          <a:lnRef idx="2">
-            <a:schemeClr val="dk1"/>
-          </a:lnRef>
-          <a:fillRef idx="1">
-            <a:schemeClr val="lt1"/>
-          </a:fillRef>
-          <a:effectRef idx="0">
-            <a:schemeClr val="dk1"/>
-          </a:effectRef>
-          <a:fontRef idx="minor">
-            <a:schemeClr val="dk1"/>
-          </a:fontRef>
-        </p:style>
-        <p:txBody>
-          <a:bodyPr rtlCol="0" anchor="ctr"/>
-          <a:lstStyle/>
-          <a:p>
-            <a:pPr algn="ctr"/>
-            <a:r>
-              <a:rPr lang="en-US" dirty="0"/>
-              <a:t>NUWM.Servers.Bridge</a:t>
-            </a:r>
-          </a:p>
-          <a:p>
-            <a:pPr algn="ctr"/>
-            <a:r>
-              <a:rPr lang="en-US" dirty="0"/>
-              <a:t>localhost:3002</a:t>
-            </a:r>
-            <a:endParaRPr lang="uk-UA" dirty="0"/>
-          </a:p>
-        </p:txBody>
-      </p:sp>
-      <p:sp>
-        <p:nvSpPr>
-          <p:cNvPr id="9" name="Прямокутник: округлені кути 8">
-            <a:extLst>
-              <a:ext uri="{FF2B5EF4-FFF2-40B4-BE49-F238E27FC236}">
-                <a16:creationId xmlns:a16="http://schemas.microsoft.com/office/drawing/2014/main" id="{8930C939-6158-4747-8959-A423E4CF5C02}"/>
-              </a:ext>
-            </a:extLst>
-          </p:cNvPr>
-          <p:cNvSpPr/>
-          <p:nvPr/>
-        </p:nvSpPr>
-        <p:spPr>
-          <a:xfrm>
-            <a:off x="3853756" y="1256883"/>
-            <a:ext cx="2501776" cy="660898"/>
-          </a:xfrm>
-          <a:prstGeom prst="roundRect">
-            <a:avLst/>
-          </a:prstGeom>
-        </p:spPr>
-        <p:style>
-          <a:lnRef idx="2">
-            <a:schemeClr val="dk1"/>
-          </a:lnRef>
-          <a:fillRef idx="1">
-            <a:schemeClr val="lt1"/>
-          </a:fillRef>
-          <a:effectRef idx="0">
-            <a:schemeClr val="dk1"/>
-          </a:effectRef>
-          <a:fontRef idx="minor">
-            <a:schemeClr val="dk1"/>
-          </a:fontRef>
-        </p:style>
-        <p:txBody>
-          <a:bodyPr rtlCol="0" anchor="ctr"/>
-          <a:lstStyle/>
-          <a:p>
-            <a:pPr algn="ctr"/>
-            <a:r>
-              <a:rPr lang="en-US" dirty="0"/>
-              <a:t>NUWM.Servers.Bridge</a:t>
-            </a:r>
-          </a:p>
-          <a:p>
-            <a:pPr algn="ctr"/>
-            <a:r>
-              <a:rPr lang="en-US" dirty="0"/>
-              <a:t>localhost:3000</a:t>
-            </a:r>
-            <a:endParaRPr lang="uk-UA" dirty="0"/>
-          </a:p>
-        </p:txBody>
-      </p:sp>
-      <p:sp>
-        <p:nvSpPr>
-          <p:cNvPr id="11" name="Овал 10">
-            <a:extLst>
-              <a:ext uri="{FF2B5EF4-FFF2-40B4-BE49-F238E27FC236}">
-                <a16:creationId xmlns:a16="http://schemas.microsoft.com/office/drawing/2014/main" id="{91302956-5C51-42F9-BE87-2BA3BE354E2C}"/>
-              </a:ext>
-            </a:extLst>
-          </p:cNvPr>
-          <p:cNvSpPr/>
-          <p:nvPr/>
-        </p:nvSpPr>
-        <p:spPr>
-          <a:xfrm>
-            <a:off x="1186001" y="3115771"/>
+            <a:off x="91989" y="2963826"/>
             <a:ext cx="1240325" cy="796705"/>
           </a:xfrm>
           <a:prstGeom prst="ellipse">
@@ -3706,113 +3377,24 @@
       </p:sp>
       <p:cxnSp>
         <p:nvCxnSpPr>
-          <p:cNvPr id="14" name="Сполучна лінія: вигнута 13">
-            <a:extLst>
-              <a:ext uri="{FF2B5EF4-FFF2-40B4-BE49-F238E27FC236}">
-                <a16:creationId xmlns:a16="http://schemas.microsoft.com/office/drawing/2014/main" id="{95970299-0B7A-40C2-AD92-44D71CCF7D0B}"/>
-              </a:ext>
-            </a:extLst>
-          </p:cNvPr>
-          <p:cNvCxnSpPr>
-            <a:stCxn id="5" idx="0"/>
-            <a:endCxn id="7" idx="0"/>
-          </p:cNvCxnSpPr>
-          <p:nvPr/>
-        </p:nvCxnSpPr>
-        <p:spPr>
-          <a:xfrm rot="16200000" flipV="1">
-            <a:off x="6505294" y="3714665"/>
-            <a:ext cx="1503" cy="2802801"/>
-          </a:xfrm>
-          <a:prstGeom prst="curvedConnector3">
-            <a:avLst>
-              <a:gd name="adj1" fmla="val 23742648"/>
-            </a:avLst>
-          </a:prstGeom>
-          <a:ln>
-            <a:tailEnd type="triangle"/>
-          </a:ln>
-        </p:spPr>
-        <p:style>
-          <a:lnRef idx="1">
-            <a:schemeClr val="dk1"/>
-          </a:lnRef>
-          <a:fillRef idx="0">
-            <a:schemeClr val="dk1"/>
-          </a:fillRef>
-          <a:effectRef idx="0">
-            <a:schemeClr val="dk1"/>
-          </a:effectRef>
-          <a:fontRef idx="minor">
-            <a:schemeClr val="tx1"/>
-          </a:fontRef>
-        </p:style>
-      </p:cxnSp>
-      <p:cxnSp>
-        <p:nvCxnSpPr>
-          <p:cNvPr id="17" name="Сполучна лінія: вигнута 16">
-            <a:extLst>
-              <a:ext uri="{FF2B5EF4-FFF2-40B4-BE49-F238E27FC236}">
-                <a16:creationId xmlns:a16="http://schemas.microsoft.com/office/drawing/2014/main" id="{28FA06F4-6B99-4126-9AF8-96F46AE71548}"/>
+          <p:cNvPr id="30" name="Сполучна лінія: вигнута 29">
+            <a:extLst>
+              <a:ext uri="{FF2B5EF4-FFF2-40B4-BE49-F238E27FC236}">
+                <a16:creationId xmlns:a16="http://schemas.microsoft.com/office/drawing/2014/main" id="{E8D05426-BCC8-40D6-88D7-8139CF8E8391}"/>
               </a:ext>
             </a:extLst>
           </p:cNvPr>
           <p:cNvCxnSpPr>
             <a:cxnSpLocks/>
-            <a:stCxn id="7" idx="2"/>
-            <a:endCxn id="5" idx="2"/>
+            <a:stCxn id="11" idx="4"/>
+            <a:endCxn id="18" idx="1"/>
           </p:cNvCxnSpPr>
           <p:nvPr/>
         </p:nvCxnSpPr>
         <p:spPr>
           <a:xfrm rot="16200000" flipH="1">
-            <a:off x="6506044" y="4374812"/>
-            <a:ext cx="12700" cy="2802801"/>
-          </a:xfrm>
-          <a:prstGeom prst="curvedConnector3">
-            <a:avLst>
-              <a:gd name="adj1" fmla="val 2512858"/>
-            </a:avLst>
-          </a:prstGeom>
-          <a:ln>
-            <a:tailEnd type="triangle"/>
-          </a:ln>
-        </p:spPr>
-        <p:style>
-          <a:lnRef idx="1">
-            <a:schemeClr val="dk1"/>
-          </a:lnRef>
-          <a:fillRef idx="0">
-            <a:schemeClr val="dk1"/>
-          </a:fillRef>
-          <a:effectRef idx="0">
-            <a:schemeClr val="dk1"/>
-          </a:effectRef>
-          <a:fontRef idx="minor">
-            <a:schemeClr val="tx1"/>
-          </a:fontRef>
-        </p:style>
-      </p:cxnSp>
-      <p:cxnSp>
-        <p:nvCxnSpPr>
-          <p:cNvPr id="30" name="Сполучна лінія: вигнута 29">
-            <a:extLst>
-              <a:ext uri="{FF2B5EF4-FFF2-40B4-BE49-F238E27FC236}">
-                <a16:creationId xmlns:a16="http://schemas.microsoft.com/office/drawing/2014/main" id="{E8D05426-BCC8-40D6-88D7-8139CF8E8391}"/>
-              </a:ext>
-            </a:extLst>
-          </p:cNvPr>
-          <p:cNvCxnSpPr>
-            <a:cxnSpLocks/>
-            <a:stCxn id="11" idx="4"/>
-            <a:endCxn id="7" idx="1"/>
-          </p:cNvCxnSpPr>
-          <p:nvPr/>
-        </p:nvCxnSpPr>
-        <p:spPr>
-          <a:xfrm rot="16200000" flipH="1">
-            <a:off x="2063316" y="3655324"/>
-            <a:ext cx="1533288" cy="2047592"/>
+            <a:off x="1124446" y="3348237"/>
+            <a:ext cx="72226" cy="896814"/>
           </a:xfrm>
           <a:prstGeom prst="curvedConnector2">
             <a:avLst/>
@@ -3839,204 +3421,24 @@
       </p:cxnSp>
       <p:cxnSp>
         <p:nvCxnSpPr>
-          <p:cNvPr id="33" name="Сполучна лінія: вигнута 32">
-            <a:extLst>
-              <a:ext uri="{FF2B5EF4-FFF2-40B4-BE49-F238E27FC236}">
-                <a16:creationId xmlns:a16="http://schemas.microsoft.com/office/drawing/2014/main" id="{A5B8C95A-016C-47EA-B610-6E5B7D1434D7}"/>
+          <p:cNvPr id="58" name="Сполучна лінія: вигнута 57">
+            <a:extLst>
+              <a:ext uri="{FF2B5EF4-FFF2-40B4-BE49-F238E27FC236}">
+                <a16:creationId xmlns:a16="http://schemas.microsoft.com/office/drawing/2014/main" id="{99B16800-8606-423F-864A-51F9D837BE12}"/>
               </a:ext>
             </a:extLst>
           </p:cNvPr>
           <p:cNvCxnSpPr>
             <a:cxnSpLocks/>
-            <a:stCxn id="8" idx="2"/>
-            <a:endCxn id="4" idx="2"/>
-          </p:cNvCxnSpPr>
-          <p:nvPr/>
-        </p:nvCxnSpPr>
-        <p:spPr>
-          <a:xfrm rot="16200000" flipH="1">
-            <a:off x="6506044" y="2443173"/>
-            <a:ext cx="12700" cy="2802801"/>
-          </a:xfrm>
-          <a:prstGeom prst="curvedConnector3">
-            <a:avLst>
-              <a:gd name="adj1" fmla="val 2227717"/>
-            </a:avLst>
-          </a:prstGeom>
-          <a:ln>
-            <a:tailEnd type="triangle"/>
-          </a:ln>
-        </p:spPr>
-        <p:style>
-          <a:lnRef idx="1">
-            <a:schemeClr val="dk1"/>
-          </a:lnRef>
-          <a:fillRef idx="0">
-            <a:schemeClr val="dk1"/>
-          </a:fillRef>
-          <a:effectRef idx="0">
-            <a:schemeClr val="dk1"/>
-          </a:effectRef>
-          <a:fontRef idx="minor">
-            <a:schemeClr val="tx1"/>
-          </a:fontRef>
-        </p:style>
-      </p:cxnSp>
-      <p:cxnSp>
-        <p:nvCxnSpPr>
-          <p:cNvPr id="36" name="Сполучна лінія: вигнута 35">
-            <a:extLst>
-              <a:ext uri="{FF2B5EF4-FFF2-40B4-BE49-F238E27FC236}">
-                <a16:creationId xmlns:a16="http://schemas.microsoft.com/office/drawing/2014/main" id="{AFFFE42F-C8C7-45F2-993C-FE496C1515C6}"/>
-              </a:ext>
-            </a:extLst>
-          </p:cNvPr>
-          <p:cNvCxnSpPr>
-            <a:cxnSpLocks/>
-            <a:stCxn id="4" idx="0"/>
-            <a:endCxn id="8" idx="0"/>
-          </p:cNvCxnSpPr>
-          <p:nvPr/>
-        </p:nvCxnSpPr>
-        <p:spPr>
-          <a:xfrm rot="16200000" flipV="1">
-            <a:off x="6505294" y="1783025"/>
-            <a:ext cx="1502" cy="2802801"/>
-          </a:xfrm>
-          <a:prstGeom prst="curvedConnector3">
-            <a:avLst>
-              <a:gd name="adj1" fmla="val 21949933"/>
-            </a:avLst>
-          </a:prstGeom>
-          <a:ln>
-            <a:tailEnd type="triangle"/>
-          </a:ln>
-        </p:spPr>
-        <p:style>
-          <a:lnRef idx="1">
-            <a:schemeClr val="dk1"/>
-          </a:lnRef>
-          <a:fillRef idx="0">
-            <a:schemeClr val="dk1"/>
-          </a:fillRef>
-          <a:effectRef idx="0">
-            <a:schemeClr val="dk1"/>
-          </a:effectRef>
-          <a:fontRef idx="minor">
-            <a:schemeClr val="tx1"/>
-          </a:fontRef>
-        </p:style>
-      </p:cxnSp>
-      <p:cxnSp>
-        <p:nvCxnSpPr>
-          <p:cNvPr id="41" name="Сполучна лінія: вигнута 40">
-            <a:extLst>
-              <a:ext uri="{FF2B5EF4-FFF2-40B4-BE49-F238E27FC236}">
-                <a16:creationId xmlns:a16="http://schemas.microsoft.com/office/drawing/2014/main" id="{B6B57021-7F64-47EE-B498-9A3BEC991613}"/>
-              </a:ext>
-            </a:extLst>
-          </p:cNvPr>
-          <p:cNvCxnSpPr>
-            <a:cxnSpLocks/>
-            <a:stCxn id="6" idx="0"/>
-            <a:endCxn id="9" idx="0"/>
-          </p:cNvCxnSpPr>
-          <p:nvPr/>
-        </p:nvCxnSpPr>
-        <p:spPr>
-          <a:xfrm rot="16200000" flipH="1" flipV="1">
-            <a:off x="6499266" y="-151295"/>
-            <a:ext cx="13556" cy="2802800"/>
-          </a:xfrm>
-          <a:prstGeom prst="curvedConnector3">
-            <a:avLst>
-              <a:gd name="adj1" fmla="val -2354197"/>
-            </a:avLst>
-          </a:prstGeom>
-          <a:ln>
-            <a:tailEnd type="triangle"/>
-          </a:ln>
-        </p:spPr>
-        <p:style>
-          <a:lnRef idx="1">
-            <a:schemeClr val="dk1"/>
-          </a:lnRef>
-          <a:fillRef idx="0">
-            <a:schemeClr val="dk1"/>
-          </a:fillRef>
-          <a:effectRef idx="0">
-            <a:schemeClr val="dk1"/>
-          </a:effectRef>
-          <a:fontRef idx="minor">
-            <a:schemeClr val="tx1"/>
-          </a:fontRef>
-        </p:style>
-      </p:cxnSp>
-      <p:cxnSp>
-        <p:nvCxnSpPr>
-          <p:cNvPr id="45" name="Сполучна лінія: вигнута 44">
-            <a:extLst>
-              <a:ext uri="{FF2B5EF4-FFF2-40B4-BE49-F238E27FC236}">
-                <a16:creationId xmlns:a16="http://schemas.microsoft.com/office/drawing/2014/main" id="{5C9CBB36-43D0-47F4-8734-C76EABFC4B5A}"/>
-              </a:ext>
-            </a:extLst>
-          </p:cNvPr>
-          <p:cNvCxnSpPr>
-            <a:cxnSpLocks/>
-            <a:stCxn id="9" idx="2"/>
-            <a:endCxn id="6" idx="2"/>
-          </p:cNvCxnSpPr>
-          <p:nvPr/>
-        </p:nvCxnSpPr>
-        <p:spPr>
-          <a:xfrm rot="5400000" flipH="1" flipV="1">
-            <a:off x="6498514" y="508852"/>
-            <a:ext cx="15059" cy="2802800"/>
-          </a:xfrm>
-          <a:prstGeom prst="curvedConnector3">
-            <a:avLst>
-              <a:gd name="adj1" fmla="val -1878757"/>
-            </a:avLst>
-          </a:prstGeom>
-          <a:ln>
-            <a:tailEnd type="triangle"/>
-          </a:ln>
-        </p:spPr>
-        <p:style>
-          <a:lnRef idx="1">
-            <a:schemeClr val="dk1"/>
-          </a:lnRef>
-          <a:fillRef idx="0">
-            <a:schemeClr val="dk1"/>
-          </a:fillRef>
-          <a:effectRef idx="0">
-            <a:schemeClr val="dk1"/>
-          </a:effectRef>
-          <a:fontRef idx="minor">
-            <a:schemeClr val="tx1"/>
-          </a:fontRef>
-        </p:style>
-      </p:cxnSp>
-      <p:cxnSp>
-        <p:nvCxnSpPr>
-          <p:cNvPr id="58" name="Сполучна лінія: вигнута 57">
-            <a:extLst>
-              <a:ext uri="{FF2B5EF4-FFF2-40B4-BE49-F238E27FC236}">
-                <a16:creationId xmlns:a16="http://schemas.microsoft.com/office/drawing/2014/main" id="{99B16800-8606-423F-864A-51F9D837BE12}"/>
-              </a:ext>
-            </a:extLst>
-          </p:cNvPr>
-          <p:cNvCxnSpPr>
-            <a:cxnSpLocks/>
-            <a:stCxn id="11" idx="6"/>
+            <a:stCxn id="28" idx="3"/>
             <a:endCxn id="8" idx="1"/>
           </p:cNvCxnSpPr>
           <p:nvPr/>
         </p:nvCxnSpPr>
         <p:spPr>
-          <a:xfrm>
-            <a:off x="2426326" y="3514124"/>
-            <a:ext cx="1427430" cy="1"/>
+          <a:xfrm flipV="1">
+            <a:off x="3687657" y="3003822"/>
+            <a:ext cx="644882" cy="358357"/>
           </a:xfrm>
           <a:prstGeom prst="curvedConnector3">
             <a:avLst>
@@ -4074,15 +3476,153 @@
           </p:cNvPr>
           <p:cNvCxnSpPr>
             <a:cxnSpLocks/>
-            <a:stCxn id="11" idx="0"/>
+            <a:stCxn id="29" idx="3"/>
             <a:endCxn id="9" idx="1"/>
           </p:cNvCxnSpPr>
           <p:nvPr/>
         </p:nvCxnSpPr>
         <p:spPr>
+          <a:xfrm flipV="1">
+            <a:off x="3692933" y="1705182"/>
+            <a:ext cx="666308" cy="1181897"/>
+          </a:xfrm>
+          <a:prstGeom prst="curvedConnector3">
+            <a:avLst>
+              <a:gd name="adj1" fmla="val 50000"/>
+            </a:avLst>
+          </a:prstGeom>
+          <a:ln>
+            <a:headEnd type="triangle"/>
+            <a:tailEnd type="triangle"/>
+          </a:ln>
+        </p:spPr>
+        <p:style>
+          <a:lnRef idx="1">
+            <a:schemeClr val="dk1"/>
+          </a:lnRef>
+          <a:fillRef idx="0">
+            <a:schemeClr val="dk1"/>
+          </a:fillRef>
+          <a:effectRef idx="0">
+            <a:schemeClr val="dk1"/>
+          </a:effectRef>
+          <a:fontRef idx="minor">
+            <a:schemeClr val="tx1"/>
+          </a:fontRef>
+        </p:style>
+      </p:cxnSp>
+      <p:cxnSp>
+        <p:nvCxnSpPr>
+          <p:cNvPr id="20" name="Сполучна лінія: вигнута 19">
+            <a:extLst>
+              <a:ext uri="{FF2B5EF4-FFF2-40B4-BE49-F238E27FC236}">
+                <a16:creationId xmlns:a16="http://schemas.microsoft.com/office/drawing/2014/main" id="{FE27507E-DB29-42C9-90DE-084FD5C14629}"/>
+              </a:ext>
+            </a:extLst>
+          </p:cNvPr>
+          <p:cNvCxnSpPr>
+            <a:cxnSpLocks/>
+            <a:stCxn id="18" idx="3"/>
+            <a:endCxn id="7" idx="1"/>
+          </p:cNvCxnSpPr>
+          <p:nvPr/>
+        </p:nvCxnSpPr>
+        <p:spPr>
+          <a:xfrm>
+            <a:off x="3687657" y="3832757"/>
+            <a:ext cx="722006" cy="429751"/>
+          </a:xfrm>
+          <a:prstGeom prst="curvedConnector3">
+            <a:avLst>
+              <a:gd name="adj1" fmla="val 50000"/>
+            </a:avLst>
+          </a:prstGeom>
+          <a:ln>
+            <a:headEnd type="triangle"/>
+            <a:tailEnd type="triangle"/>
+          </a:ln>
+        </p:spPr>
+        <p:style>
+          <a:lnRef idx="1">
+            <a:schemeClr val="dk1"/>
+          </a:lnRef>
+          <a:fillRef idx="0">
+            <a:schemeClr val="dk1"/>
+          </a:fillRef>
+          <a:effectRef idx="0">
+            <a:schemeClr val="dk1"/>
+          </a:effectRef>
+          <a:fontRef idx="minor">
+            <a:schemeClr val="tx1"/>
+          </a:fontRef>
+        </p:style>
+      </p:cxnSp>
+      <p:cxnSp>
+        <p:nvCxnSpPr>
+          <p:cNvPr id="39" name="Сполучна лінія: вигнута 38">
+            <a:extLst>
+              <a:ext uri="{FF2B5EF4-FFF2-40B4-BE49-F238E27FC236}">
+                <a16:creationId xmlns:a16="http://schemas.microsoft.com/office/drawing/2014/main" id="{D72FD496-219B-4C33-A136-EA07BF1A3BD9}"/>
+              </a:ext>
+            </a:extLst>
+          </p:cNvPr>
+          <p:cNvCxnSpPr>
+            <a:cxnSpLocks/>
+            <a:stCxn id="11" idx="6"/>
+            <a:endCxn id="28" idx="1"/>
+          </p:cNvCxnSpPr>
+          <p:nvPr/>
+        </p:nvCxnSpPr>
+        <p:spPr>
+          <a:xfrm>
+            <a:off x="1332314" y="3362179"/>
+            <a:ext cx="276652" cy="12700"/>
+          </a:xfrm>
+          <a:prstGeom prst="curvedConnector3">
+            <a:avLst>
+              <a:gd name="adj1" fmla="val 50000"/>
+            </a:avLst>
+          </a:prstGeom>
+          <a:ln>
+            <a:headEnd type="triangle"/>
+            <a:tailEnd type="triangle"/>
+          </a:ln>
+        </p:spPr>
+        <p:style>
+          <a:lnRef idx="1">
+            <a:schemeClr val="dk1"/>
+          </a:lnRef>
+          <a:fillRef idx="0">
+            <a:schemeClr val="dk1"/>
+          </a:fillRef>
+          <a:effectRef idx="0">
+            <a:schemeClr val="dk1"/>
+          </a:effectRef>
+          <a:fontRef idx="minor">
+            <a:schemeClr val="tx1"/>
+          </a:fontRef>
+        </p:style>
+      </p:cxnSp>
+      <p:cxnSp>
+        <p:nvCxnSpPr>
+          <p:cNvPr id="42" name="Сполучна лінія: вигнута 41">
+            <a:extLst>
+              <a:ext uri="{FF2B5EF4-FFF2-40B4-BE49-F238E27FC236}">
+                <a16:creationId xmlns:a16="http://schemas.microsoft.com/office/drawing/2014/main" id="{3DECD42B-923E-4760-A0FD-597D164FF028}"/>
+              </a:ext>
+            </a:extLst>
+          </p:cNvPr>
+          <p:cNvCxnSpPr>
+            <a:cxnSpLocks/>
+            <a:stCxn id="11" idx="0"/>
+            <a:endCxn id="29" idx="1"/>
+          </p:cNvCxnSpPr>
+          <p:nvPr/>
+        </p:nvCxnSpPr>
+        <p:spPr>
           <a:xfrm rot="5400000" flipH="1" flipV="1">
-            <a:off x="2065741" y="1327756"/>
-            <a:ext cx="1528439" cy="2047592"/>
+            <a:off x="1124824" y="2474408"/>
+            <a:ext cx="76747" cy="902090"/>
           </a:xfrm>
           <a:prstGeom prst="curvedConnector2">
             <a:avLst/>
@@ -4107,6 +3647,1428 @@
           </a:fontRef>
         </p:style>
       </p:cxnSp>
+      <p:grpSp>
+        <p:nvGrpSpPr>
+          <p:cNvPr id="63" name="Групувати 62">
+            <a:extLst>
+              <a:ext uri="{FF2B5EF4-FFF2-40B4-BE49-F238E27FC236}">
+                <a16:creationId xmlns:a16="http://schemas.microsoft.com/office/drawing/2014/main" id="{1CBC78AD-29B6-45FE-99AC-86D225ECAA2A}"/>
+              </a:ext>
+            </a:extLst>
+          </p:cNvPr>
+          <p:cNvGrpSpPr/>
+          <p:nvPr/>
+        </p:nvGrpSpPr>
+        <p:grpSpPr>
+          <a:xfrm>
+            <a:off x="1427933" y="2023961"/>
+            <a:ext cx="2451308" cy="2196919"/>
+            <a:chOff x="1848210" y="123587"/>
+            <a:chExt cx="2950234" cy="3085439"/>
+          </a:xfrm>
+        </p:grpSpPr>
+        <p:grpSp>
+          <p:nvGrpSpPr>
+            <p:cNvPr id="26" name="Групувати 25">
+              <a:extLst>
+                <a:ext uri="{FF2B5EF4-FFF2-40B4-BE49-F238E27FC236}">
+                  <a16:creationId xmlns:a16="http://schemas.microsoft.com/office/drawing/2014/main" id="{499C4265-D407-43B7-8761-BDAD7D8C4597}"/>
+                </a:ext>
+              </a:extLst>
+            </p:cNvPr>
+            <p:cNvGrpSpPr/>
+            <p:nvPr/>
+          </p:nvGrpSpPr>
+          <p:grpSpPr>
+            <a:xfrm>
+              <a:off x="1848210" y="123587"/>
+              <a:ext cx="2950234" cy="3085439"/>
+              <a:chOff x="890698" y="2892719"/>
+              <a:chExt cx="2950234" cy="3085439"/>
+            </a:xfrm>
+          </p:grpSpPr>
+          <p:sp>
+            <p:nvSpPr>
+              <p:cNvPr id="18" name="Прямокутник: округлені кути 17">
+                <a:extLst>
+                  <a:ext uri="{FF2B5EF4-FFF2-40B4-BE49-F238E27FC236}">
+                    <a16:creationId xmlns:a16="http://schemas.microsoft.com/office/drawing/2014/main" id="{7E154C95-4C63-43A8-BFB6-02155197E440}"/>
+                  </a:ext>
+                </a:extLst>
+              </p:cNvPr>
+              <p:cNvSpPr/>
+              <p:nvPr/>
+            </p:nvSpPr>
+            <p:spPr>
+              <a:xfrm>
+                <a:off x="1108577" y="5102613"/>
+                <a:ext cx="2501776" cy="660899"/>
+              </a:xfrm>
+              <a:prstGeom prst="roundRect">
+                <a:avLst/>
+              </a:prstGeom>
+            </p:spPr>
+            <p:style>
+              <a:lnRef idx="2">
+                <a:schemeClr val="dk1"/>
+              </a:lnRef>
+              <a:fillRef idx="1">
+                <a:schemeClr val="lt1"/>
+              </a:fillRef>
+              <a:effectRef idx="0">
+                <a:schemeClr val="dk1"/>
+              </a:effectRef>
+              <a:fontRef idx="minor">
+                <a:schemeClr val="dk1"/>
+              </a:fontRef>
+            </p:style>
+            <p:txBody>
+              <a:bodyPr rtlCol="0" anchor="ctr"/>
+              <a:lstStyle/>
+              <a:p>
+                <a:pPr algn="ctr"/>
+                <a:r>
+                  <a:rPr lang="en-US" sz="1400" dirty="0"/>
+                  <a:t>Gateway</a:t>
+                </a:r>
+              </a:p>
+              <a:p>
+                <a:pPr algn="ctr"/>
+                <a:r>
+                  <a:rPr lang="uk-UA" sz="1400" dirty="0"/>
+                  <a:t>37.57.114.206:3002</a:t>
+                </a:r>
+              </a:p>
+            </p:txBody>
+          </p:sp>
+          <p:sp>
+            <p:nvSpPr>
+              <p:cNvPr id="28" name="Прямокутник: округлені кути 27">
+                <a:extLst>
+                  <a:ext uri="{FF2B5EF4-FFF2-40B4-BE49-F238E27FC236}">
+                    <a16:creationId xmlns:a16="http://schemas.microsoft.com/office/drawing/2014/main" id="{CB04A102-F171-463F-8CE5-C5635FAF1469}"/>
+                  </a:ext>
+                </a:extLst>
+              </p:cNvPr>
+              <p:cNvSpPr/>
+              <p:nvPr/>
+            </p:nvSpPr>
+            <p:spPr>
+              <a:xfrm>
+                <a:off x="1108577" y="4441714"/>
+                <a:ext cx="2501776" cy="660899"/>
+              </a:xfrm>
+              <a:prstGeom prst="roundRect">
+                <a:avLst/>
+              </a:prstGeom>
+            </p:spPr>
+            <p:style>
+              <a:lnRef idx="2">
+                <a:schemeClr val="dk1"/>
+              </a:lnRef>
+              <a:fillRef idx="1">
+                <a:schemeClr val="lt1"/>
+              </a:fillRef>
+              <a:effectRef idx="0">
+                <a:schemeClr val="dk1"/>
+              </a:effectRef>
+              <a:fontRef idx="minor">
+                <a:schemeClr val="dk1"/>
+              </a:fontRef>
+            </p:style>
+            <p:txBody>
+              <a:bodyPr rtlCol="0" anchor="ctr"/>
+              <a:lstStyle/>
+              <a:p>
+                <a:pPr algn="ctr"/>
+                <a:r>
+                  <a:rPr lang="en-US" sz="1400" dirty="0"/>
+                  <a:t>Gateway</a:t>
+                </a:r>
+              </a:p>
+              <a:p>
+                <a:pPr algn="ctr"/>
+                <a:r>
+                  <a:rPr lang="uk-UA" sz="1400" dirty="0"/>
+                  <a:t>37.57.114.206:300</a:t>
+                </a:r>
+                <a:r>
+                  <a:rPr lang="en-US" sz="1400" dirty="0"/>
+                  <a:t>1</a:t>
+                </a:r>
+                <a:endParaRPr lang="uk-UA" sz="1400" dirty="0"/>
+              </a:p>
+            </p:txBody>
+          </p:sp>
+          <p:sp>
+            <p:nvSpPr>
+              <p:cNvPr id="29" name="Прямокутник: округлені кути 28">
+                <a:extLst>
+                  <a:ext uri="{FF2B5EF4-FFF2-40B4-BE49-F238E27FC236}">
+                    <a16:creationId xmlns:a16="http://schemas.microsoft.com/office/drawing/2014/main" id="{563059D3-A46E-482D-9130-91AEC0D93A88}"/>
+                  </a:ext>
+                </a:extLst>
+              </p:cNvPr>
+              <p:cNvSpPr/>
+              <p:nvPr/>
+            </p:nvSpPr>
+            <p:spPr>
+              <a:xfrm>
+                <a:off x="1114927" y="3774465"/>
+                <a:ext cx="2501776" cy="660899"/>
+              </a:xfrm>
+              <a:prstGeom prst="roundRect">
+                <a:avLst/>
+              </a:prstGeom>
+            </p:spPr>
+            <p:style>
+              <a:lnRef idx="2">
+                <a:schemeClr val="dk1"/>
+              </a:lnRef>
+              <a:fillRef idx="1">
+                <a:schemeClr val="lt1"/>
+              </a:fillRef>
+              <a:effectRef idx="0">
+                <a:schemeClr val="dk1"/>
+              </a:effectRef>
+              <a:fontRef idx="minor">
+                <a:schemeClr val="dk1"/>
+              </a:fontRef>
+            </p:style>
+            <p:txBody>
+              <a:bodyPr rtlCol="0" anchor="ctr"/>
+              <a:lstStyle/>
+              <a:p>
+                <a:pPr algn="ctr"/>
+                <a:r>
+                  <a:rPr lang="en-US" sz="1400" dirty="0"/>
+                  <a:t>Gateway</a:t>
+                </a:r>
+              </a:p>
+              <a:p>
+                <a:pPr algn="ctr"/>
+                <a:r>
+                  <a:rPr lang="uk-UA" sz="1400" dirty="0"/>
+                  <a:t>37.57.114.206:300</a:t>
+                </a:r>
+                <a:r>
+                  <a:rPr lang="en-US" sz="1400" dirty="0"/>
+                  <a:t>0</a:t>
+                </a:r>
+                <a:endParaRPr lang="uk-UA" sz="1400" dirty="0"/>
+              </a:p>
+            </p:txBody>
+          </p:sp>
+          <p:sp>
+            <p:nvSpPr>
+              <p:cNvPr id="25" name="Прямокутник 24">
+                <a:extLst>
+                  <a:ext uri="{FF2B5EF4-FFF2-40B4-BE49-F238E27FC236}">
+                    <a16:creationId xmlns:a16="http://schemas.microsoft.com/office/drawing/2014/main" id="{982E6F0F-BBE0-47D6-A8A0-0FD03C1A6273}"/>
+                  </a:ext>
+                </a:extLst>
+              </p:cNvPr>
+              <p:cNvSpPr/>
+              <p:nvPr/>
+            </p:nvSpPr>
+            <p:spPr>
+              <a:xfrm>
+                <a:off x="890698" y="2892719"/>
+                <a:ext cx="2950234" cy="3085439"/>
+              </a:xfrm>
+              <a:prstGeom prst="rect">
+                <a:avLst/>
+              </a:prstGeom>
+              <a:noFill/>
+              <a:ln w="19050">
+                <a:solidFill>
+                  <a:schemeClr val="tx1">
+                    <a:lumMod val="95000"/>
+                    <a:lumOff val="5000"/>
+                  </a:schemeClr>
+                </a:solidFill>
+                <a:prstDash val="dash"/>
+              </a:ln>
+            </p:spPr>
+            <p:style>
+              <a:lnRef idx="2">
+                <a:schemeClr val="accent1">
+                  <a:shade val="50000"/>
+                </a:schemeClr>
+              </a:lnRef>
+              <a:fillRef idx="1">
+                <a:schemeClr val="accent1"/>
+              </a:fillRef>
+              <a:effectRef idx="0">
+                <a:schemeClr val="accent1"/>
+              </a:effectRef>
+              <a:fontRef idx="minor">
+                <a:schemeClr val="lt1"/>
+              </a:fontRef>
+            </p:style>
+            <p:txBody>
+              <a:bodyPr rtlCol="0" anchor="ctr"/>
+              <a:lstStyle/>
+              <a:p>
+                <a:pPr algn="ctr"/>
+                <a:endParaRPr lang="uk-UA" sz="1400"/>
+              </a:p>
+            </p:txBody>
+          </p:sp>
+        </p:grpSp>
+        <p:sp>
+          <p:nvSpPr>
+            <p:cNvPr id="40" name="TextBox 39">
+              <a:extLst>
+                <a:ext uri="{FF2B5EF4-FFF2-40B4-BE49-F238E27FC236}">
+                  <a16:creationId xmlns:a16="http://schemas.microsoft.com/office/drawing/2014/main" id="{52EB1010-0F40-43B5-AF9E-119FDBC7AC9E}"/>
+                </a:ext>
+              </a:extLst>
+            </p:cNvPr>
+            <p:cNvSpPr txBox="1"/>
+            <p:nvPr/>
+          </p:nvSpPr>
+          <p:spPr>
+            <a:xfrm>
+              <a:off x="2605297" y="231632"/>
+              <a:ext cx="1423359" cy="734831"/>
+            </a:xfrm>
+            <a:prstGeom prst="rect">
+              <a:avLst/>
+            </a:prstGeom>
+            <a:noFill/>
+          </p:spPr>
+          <p:txBody>
+            <a:bodyPr wrap="square" rtlCol="0">
+              <a:spAutoFit/>
+            </a:bodyPr>
+            <a:lstStyle/>
+            <a:p>
+              <a:pPr algn="ctr"/>
+              <a:r>
+                <a:rPr lang="en-US" sz="1400" dirty="0"/>
+                <a:t>Gateway nginx/1.12.2</a:t>
+              </a:r>
+              <a:endParaRPr lang="uk-UA" sz="1400" dirty="0"/>
+            </a:p>
+          </p:txBody>
+        </p:sp>
+      </p:grpSp>
+      <p:grpSp>
+        <p:nvGrpSpPr>
+          <p:cNvPr id="54" name="Групувати 53">
+            <a:extLst>
+              <a:ext uri="{FF2B5EF4-FFF2-40B4-BE49-F238E27FC236}">
+                <a16:creationId xmlns:a16="http://schemas.microsoft.com/office/drawing/2014/main" id="{29339768-F574-4C0E-8E4A-3B9AB0AEB668}"/>
+              </a:ext>
+            </a:extLst>
+          </p:cNvPr>
+          <p:cNvGrpSpPr/>
+          <p:nvPr/>
+        </p:nvGrpSpPr>
+        <p:grpSpPr>
+          <a:xfrm>
+            <a:off x="4092316" y="635840"/>
+            <a:ext cx="5639694" cy="4524775"/>
+            <a:chOff x="5236010" y="319178"/>
+            <a:chExt cx="5960853" cy="5986732"/>
+          </a:xfrm>
+        </p:grpSpPr>
+        <p:sp>
+          <p:nvSpPr>
+            <p:cNvPr id="4" name="Прямокутник: округлені кути 3">
+              <a:extLst>
+                <a:ext uri="{FF2B5EF4-FFF2-40B4-BE49-F238E27FC236}">
+                  <a16:creationId xmlns:a16="http://schemas.microsoft.com/office/drawing/2014/main" id="{E4D6FF1D-5A2E-440F-B363-69AB288AE726}"/>
+                </a:ext>
+              </a:extLst>
+            </p:cNvPr>
+            <p:cNvSpPr/>
+            <p:nvPr/>
+          </p:nvSpPr>
+          <p:spPr>
+            <a:xfrm>
+              <a:off x="7511612" y="3113519"/>
+              <a:ext cx="3586788" cy="659398"/>
+            </a:xfrm>
+            <a:prstGeom prst="roundRect">
+              <a:avLst/>
+            </a:prstGeom>
+          </p:spPr>
+          <p:style>
+            <a:lnRef idx="2">
+              <a:schemeClr val="dk1"/>
+            </a:lnRef>
+            <a:fillRef idx="1">
+              <a:schemeClr val="lt1"/>
+            </a:fillRef>
+            <a:effectRef idx="0">
+              <a:schemeClr val="dk1"/>
+            </a:effectRef>
+            <a:fontRef idx="minor">
+              <a:schemeClr val="dk1"/>
+            </a:fontRef>
+          </p:style>
+          <p:txBody>
+            <a:bodyPr rtlCol="0" anchor="ctr"/>
+            <a:lstStyle/>
+            <a:p>
+              <a:r>
+                <a:rPr lang="en-US" sz="1400" dirty="0"/>
+                <a:t>NUWM.Servers.News</a:t>
+              </a:r>
+            </a:p>
+            <a:p>
+              <a:r>
+                <a:rPr lang="en-US" sz="1200" dirty="0"/>
+                <a:t>localhost:300</a:t>
+              </a:r>
+              <a:r>
+                <a:rPr lang="uk-UA" sz="1200" dirty="0"/>
+                <a:t>6</a:t>
+              </a:r>
+            </a:p>
+          </p:txBody>
+        </p:sp>
+        <p:sp>
+          <p:nvSpPr>
+            <p:cNvPr id="5" name="Прямокутник: округлені кути 4">
+              <a:extLst>
+                <a:ext uri="{FF2B5EF4-FFF2-40B4-BE49-F238E27FC236}">
+                  <a16:creationId xmlns:a16="http://schemas.microsoft.com/office/drawing/2014/main" id="{93923CED-D7DE-415E-B625-F5EF3FE767B9}"/>
+                </a:ext>
+              </a:extLst>
+            </p:cNvPr>
+            <p:cNvSpPr/>
+            <p:nvPr/>
+          </p:nvSpPr>
+          <p:spPr>
+            <a:xfrm>
+              <a:off x="8062587" y="4780275"/>
+              <a:ext cx="2196423" cy="659396"/>
+            </a:xfrm>
+            <a:prstGeom prst="roundRect">
+              <a:avLst/>
+            </a:prstGeom>
+          </p:spPr>
+          <p:style>
+            <a:lnRef idx="2">
+              <a:schemeClr val="dk1"/>
+            </a:lnRef>
+            <a:fillRef idx="1">
+              <a:schemeClr val="lt1"/>
+            </a:fillRef>
+            <a:effectRef idx="0">
+              <a:schemeClr val="dk1"/>
+            </a:effectRef>
+            <a:fontRef idx="minor">
+              <a:schemeClr val="dk1"/>
+            </a:fontRef>
+          </p:style>
+          <p:txBody>
+            <a:bodyPr rtlCol="0" anchor="ctr"/>
+            <a:lstStyle/>
+            <a:p>
+              <a:r>
+                <a:rPr lang="en-US" sz="1400" dirty="0"/>
+                <a:t>NUWM.Servers.Schedule</a:t>
+              </a:r>
+            </a:p>
+            <a:p>
+              <a:pPr algn="ctr"/>
+              <a:r>
+                <a:rPr lang="en-US" sz="1200" dirty="0"/>
+                <a:t>localhost:300</a:t>
+              </a:r>
+              <a:r>
+                <a:rPr lang="uk-UA" sz="1200" dirty="0"/>
+                <a:t>7</a:t>
+              </a:r>
+            </a:p>
+          </p:txBody>
+        </p:sp>
+        <p:sp>
+          <p:nvSpPr>
+            <p:cNvPr id="6" name="Прямокутник: округлені кути 5">
+              <a:extLst>
+                <a:ext uri="{FF2B5EF4-FFF2-40B4-BE49-F238E27FC236}">
+                  <a16:creationId xmlns:a16="http://schemas.microsoft.com/office/drawing/2014/main" id="{87A573E1-7F14-4CE4-A8CA-7BE0BCD53958}"/>
+                </a:ext>
+              </a:extLst>
+            </p:cNvPr>
+            <p:cNvSpPr/>
+            <p:nvPr/>
+          </p:nvSpPr>
+          <p:spPr>
+            <a:xfrm>
+              <a:off x="7640460" y="1404327"/>
+              <a:ext cx="3457940" cy="659395"/>
+            </a:xfrm>
+            <a:prstGeom prst="roundRect">
+              <a:avLst/>
+            </a:prstGeom>
+          </p:spPr>
+          <p:style>
+            <a:lnRef idx="2">
+              <a:schemeClr val="dk1"/>
+            </a:lnRef>
+            <a:fillRef idx="1">
+              <a:schemeClr val="lt1"/>
+            </a:fillRef>
+            <a:effectRef idx="0">
+              <a:schemeClr val="dk1"/>
+            </a:effectRef>
+            <a:fontRef idx="minor">
+              <a:schemeClr val="dk1"/>
+            </a:fontRef>
+          </p:style>
+          <p:txBody>
+            <a:bodyPr rtlCol="0" anchor="ctr"/>
+            <a:lstStyle/>
+            <a:p>
+              <a:r>
+                <a:rPr lang="en-US" sz="1400" dirty="0"/>
+                <a:t>NUWM.Servers.Calc</a:t>
+              </a:r>
+            </a:p>
+            <a:p>
+              <a:r>
+                <a:rPr lang="en-US" sz="1200" dirty="0"/>
+                <a:t>localhost:30</a:t>
+              </a:r>
+              <a:r>
+                <a:rPr lang="uk-UA" sz="1200" dirty="0"/>
+                <a:t>05</a:t>
+              </a:r>
+            </a:p>
+          </p:txBody>
+        </p:sp>
+        <p:sp>
+          <p:nvSpPr>
+            <p:cNvPr id="7" name="Прямокутник: округлені кути 6">
+              <a:extLst>
+                <a:ext uri="{FF2B5EF4-FFF2-40B4-BE49-F238E27FC236}">
+                  <a16:creationId xmlns:a16="http://schemas.microsoft.com/office/drawing/2014/main" id="{110EB5EA-B8C2-4382-9407-B4AF13767570}"/>
+                </a:ext>
+              </a:extLst>
+            </p:cNvPr>
+            <p:cNvSpPr/>
+            <p:nvPr/>
+          </p:nvSpPr>
+          <p:spPr>
+            <a:xfrm>
+              <a:off x="5571429" y="4787175"/>
+              <a:ext cx="2069031" cy="660899"/>
+            </a:xfrm>
+            <a:prstGeom prst="roundRect">
+              <a:avLst/>
+            </a:prstGeom>
+          </p:spPr>
+          <p:style>
+            <a:lnRef idx="2">
+              <a:schemeClr val="dk1"/>
+            </a:lnRef>
+            <a:fillRef idx="1">
+              <a:schemeClr val="lt1"/>
+            </a:fillRef>
+            <a:effectRef idx="0">
+              <a:schemeClr val="dk1"/>
+            </a:effectRef>
+            <a:fontRef idx="minor">
+              <a:schemeClr val="dk1"/>
+            </a:fontRef>
+          </p:style>
+          <p:txBody>
+            <a:bodyPr rtlCol="0" anchor="ctr"/>
+            <a:lstStyle/>
+            <a:p>
+              <a:pPr algn="ctr"/>
+              <a:r>
+                <a:rPr lang="en-US" sz="1400" dirty="0"/>
+                <a:t>NUWM.Servers.Bridge</a:t>
+              </a:r>
+            </a:p>
+            <a:p>
+              <a:pPr algn="ctr"/>
+              <a:r>
+                <a:rPr lang="en-US" sz="1200" dirty="0"/>
+                <a:t>localhost:300</a:t>
+              </a:r>
+              <a:r>
+                <a:rPr lang="uk-UA" sz="1200" dirty="0"/>
+                <a:t>2</a:t>
+              </a:r>
+            </a:p>
+          </p:txBody>
+        </p:sp>
+        <p:sp>
+          <p:nvSpPr>
+            <p:cNvPr id="8" name="Прямокутник: округлені кути 7">
+              <a:extLst>
+                <a:ext uri="{FF2B5EF4-FFF2-40B4-BE49-F238E27FC236}">
+                  <a16:creationId xmlns:a16="http://schemas.microsoft.com/office/drawing/2014/main" id="{A675EECC-6AF9-4710-A6B9-479283D2BFDF}"/>
+                </a:ext>
+              </a:extLst>
+            </p:cNvPr>
+            <p:cNvSpPr/>
+            <p:nvPr/>
+          </p:nvSpPr>
+          <p:spPr>
+            <a:xfrm>
+              <a:off x="5489913" y="3121806"/>
+              <a:ext cx="1997087" cy="660899"/>
+            </a:xfrm>
+            <a:prstGeom prst="roundRect">
+              <a:avLst/>
+            </a:prstGeom>
+          </p:spPr>
+          <p:style>
+            <a:lnRef idx="2">
+              <a:schemeClr val="dk1"/>
+            </a:lnRef>
+            <a:fillRef idx="1">
+              <a:schemeClr val="lt1"/>
+            </a:fillRef>
+            <a:effectRef idx="0">
+              <a:schemeClr val="dk1"/>
+            </a:effectRef>
+            <a:fontRef idx="minor">
+              <a:schemeClr val="dk1"/>
+            </a:fontRef>
+          </p:style>
+          <p:txBody>
+            <a:bodyPr rtlCol="0" anchor="ctr"/>
+            <a:lstStyle/>
+            <a:p>
+              <a:pPr algn="ctr"/>
+              <a:r>
+                <a:rPr lang="en-US" sz="1400" dirty="0"/>
+                <a:t>NUWM.Servers.Bridge</a:t>
+              </a:r>
+            </a:p>
+            <a:p>
+              <a:pPr algn="ctr"/>
+              <a:r>
+                <a:rPr lang="en-US" sz="1200" dirty="0"/>
+                <a:t>localhost:300</a:t>
+              </a:r>
+              <a:r>
+                <a:rPr lang="uk-UA" sz="1200" dirty="0"/>
+                <a:t>1</a:t>
+              </a:r>
+            </a:p>
+          </p:txBody>
+        </p:sp>
+        <p:sp>
+          <p:nvSpPr>
+            <p:cNvPr id="9" name="Прямокутник: округлені кути 8">
+              <a:extLst>
+                <a:ext uri="{FF2B5EF4-FFF2-40B4-BE49-F238E27FC236}">
+                  <a16:creationId xmlns:a16="http://schemas.microsoft.com/office/drawing/2014/main" id="{8930C939-6158-4747-8959-A423E4CF5C02}"/>
+                </a:ext>
+              </a:extLst>
+            </p:cNvPr>
+            <p:cNvSpPr/>
+            <p:nvPr/>
+          </p:nvSpPr>
+          <p:spPr>
+            <a:xfrm>
+              <a:off x="5518135" y="1403575"/>
+              <a:ext cx="1997087" cy="660898"/>
+            </a:xfrm>
+            <a:prstGeom prst="roundRect">
+              <a:avLst/>
+            </a:prstGeom>
+          </p:spPr>
+          <p:style>
+            <a:lnRef idx="2">
+              <a:schemeClr val="dk1"/>
+            </a:lnRef>
+            <a:fillRef idx="1">
+              <a:schemeClr val="lt1"/>
+            </a:fillRef>
+            <a:effectRef idx="0">
+              <a:schemeClr val="dk1"/>
+            </a:effectRef>
+            <a:fontRef idx="minor">
+              <a:schemeClr val="dk1"/>
+            </a:fontRef>
+          </p:style>
+          <p:txBody>
+            <a:bodyPr rtlCol="0" anchor="ctr"/>
+            <a:lstStyle/>
+            <a:p>
+              <a:pPr algn="ctr"/>
+              <a:r>
+                <a:rPr lang="en-US" sz="1400" dirty="0"/>
+                <a:t>NUWM.Servers.Bridge</a:t>
+              </a:r>
+            </a:p>
+            <a:p>
+              <a:pPr algn="ctr"/>
+              <a:r>
+                <a:rPr lang="en-US" sz="1200" dirty="0"/>
+                <a:t>localhost:3000</a:t>
+              </a:r>
+              <a:endParaRPr lang="uk-UA" sz="1200" dirty="0"/>
+            </a:p>
+          </p:txBody>
+        </p:sp>
+        <p:cxnSp>
+          <p:nvCxnSpPr>
+            <p:cNvPr id="14" name="Сполучна лінія: вигнута 13">
+              <a:extLst>
+                <a:ext uri="{FF2B5EF4-FFF2-40B4-BE49-F238E27FC236}">
+                  <a16:creationId xmlns:a16="http://schemas.microsoft.com/office/drawing/2014/main" id="{95970299-0B7A-40C2-AD92-44D71CCF7D0B}"/>
+                </a:ext>
+              </a:extLst>
+            </p:cNvPr>
+            <p:cNvCxnSpPr>
+              <a:cxnSpLocks/>
+              <a:stCxn id="5" idx="0"/>
+              <a:endCxn id="7" idx="0"/>
+            </p:cNvCxnSpPr>
+            <p:nvPr/>
+          </p:nvCxnSpPr>
+          <p:spPr>
+            <a:xfrm rot="16200000" flipH="1" flipV="1">
+              <a:off x="7879921" y="3506297"/>
+              <a:ext cx="6900" cy="2554855"/>
+            </a:xfrm>
+            <a:prstGeom prst="curvedConnector3">
+              <a:avLst>
+                <a:gd name="adj1" fmla="val -4383509"/>
+              </a:avLst>
+            </a:prstGeom>
+            <a:ln>
+              <a:tailEnd type="triangle"/>
+            </a:ln>
+          </p:spPr>
+          <p:style>
+            <a:lnRef idx="1">
+              <a:schemeClr val="dk1"/>
+            </a:lnRef>
+            <a:fillRef idx="0">
+              <a:schemeClr val="dk1"/>
+            </a:fillRef>
+            <a:effectRef idx="0">
+              <a:schemeClr val="dk1"/>
+            </a:effectRef>
+            <a:fontRef idx="minor">
+              <a:schemeClr val="tx1"/>
+            </a:fontRef>
+          </p:style>
+        </p:cxnSp>
+        <p:cxnSp>
+          <p:nvCxnSpPr>
+            <p:cNvPr id="17" name="Сполучна лінія: вигнута 16">
+              <a:extLst>
+                <a:ext uri="{FF2B5EF4-FFF2-40B4-BE49-F238E27FC236}">
+                  <a16:creationId xmlns:a16="http://schemas.microsoft.com/office/drawing/2014/main" id="{28FA06F4-6B99-4126-9AF8-96F46AE71548}"/>
+                </a:ext>
+              </a:extLst>
+            </p:cNvPr>
+            <p:cNvCxnSpPr>
+              <a:cxnSpLocks/>
+              <a:stCxn id="7" idx="2"/>
+              <a:endCxn id="5" idx="2"/>
+            </p:cNvCxnSpPr>
+            <p:nvPr/>
+          </p:nvCxnSpPr>
+          <p:spPr>
+            <a:xfrm rot="5400000" flipH="1" flipV="1">
+              <a:off x="7879170" y="4166446"/>
+              <a:ext cx="8403" cy="2554855"/>
+            </a:xfrm>
+            <a:prstGeom prst="curvedConnector3">
+              <a:avLst>
+                <a:gd name="adj1" fmla="val -3599433"/>
+              </a:avLst>
+            </a:prstGeom>
+            <a:ln>
+              <a:tailEnd type="triangle"/>
+            </a:ln>
+          </p:spPr>
+          <p:style>
+            <a:lnRef idx="1">
+              <a:schemeClr val="dk1"/>
+            </a:lnRef>
+            <a:fillRef idx="0">
+              <a:schemeClr val="dk1"/>
+            </a:fillRef>
+            <a:effectRef idx="0">
+              <a:schemeClr val="dk1"/>
+            </a:effectRef>
+            <a:fontRef idx="minor">
+              <a:schemeClr val="tx1"/>
+            </a:fontRef>
+          </p:style>
+        </p:cxnSp>
+        <p:cxnSp>
+          <p:nvCxnSpPr>
+            <p:cNvPr id="33" name="Сполучна лінія: вигнута 32">
+              <a:extLst>
+                <a:ext uri="{FF2B5EF4-FFF2-40B4-BE49-F238E27FC236}">
+                  <a16:creationId xmlns:a16="http://schemas.microsoft.com/office/drawing/2014/main" id="{A5B8C95A-016C-47EA-B610-6E5B7D1434D7}"/>
+                </a:ext>
+              </a:extLst>
+            </p:cNvPr>
+            <p:cNvCxnSpPr>
+              <a:cxnSpLocks/>
+              <a:stCxn id="8" idx="2"/>
+              <a:endCxn id="4" idx="2"/>
+            </p:cNvCxnSpPr>
+            <p:nvPr/>
+          </p:nvCxnSpPr>
+          <p:spPr>
+            <a:xfrm rot="5400000" flipH="1" flipV="1">
+              <a:off x="7891836" y="2369537"/>
+              <a:ext cx="9790" cy="2816550"/>
+            </a:xfrm>
+            <a:prstGeom prst="curvedConnector3">
+              <a:avLst>
+                <a:gd name="adj1" fmla="val -3089607"/>
+              </a:avLst>
+            </a:prstGeom>
+            <a:ln>
+              <a:tailEnd type="triangle"/>
+            </a:ln>
+          </p:spPr>
+          <p:style>
+            <a:lnRef idx="1">
+              <a:schemeClr val="dk1"/>
+            </a:lnRef>
+            <a:fillRef idx="0">
+              <a:schemeClr val="dk1"/>
+            </a:fillRef>
+            <a:effectRef idx="0">
+              <a:schemeClr val="dk1"/>
+            </a:effectRef>
+            <a:fontRef idx="minor">
+              <a:schemeClr val="tx1"/>
+            </a:fontRef>
+          </p:style>
+        </p:cxnSp>
+        <p:cxnSp>
+          <p:nvCxnSpPr>
+            <p:cNvPr id="36" name="Сполучна лінія: вигнута 35">
+              <a:extLst>
+                <a:ext uri="{FF2B5EF4-FFF2-40B4-BE49-F238E27FC236}">
+                  <a16:creationId xmlns:a16="http://schemas.microsoft.com/office/drawing/2014/main" id="{AFFFE42F-C8C7-45F2-993C-FE496C1515C6}"/>
+                </a:ext>
+              </a:extLst>
+            </p:cNvPr>
+            <p:cNvCxnSpPr>
+              <a:cxnSpLocks/>
+              <a:stCxn id="4" idx="0"/>
+              <a:endCxn id="8" idx="0"/>
+            </p:cNvCxnSpPr>
+            <p:nvPr/>
+          </p:nvCxnSpPr>
+          <p:spPr>
+            <a:xfrm rot="16200000" flipH="1" flipV="1">
+              <a:off x="7892587" y="1709387"/>
+              <a:ext cx="8288" cy="2816550"/>
+            </a:xfrm>
+            <a:prstGeom prst="curvedConnector3">
+              <a:avLst>
+                <a:gd name="adj1" fmla="val -3649425"/>
+              </a:avLst>
+            </a:prstGeom>
+            <a:ln>
+              <a:tailEnd type="triangle"/>
+            </a:ln>
+          </p:spPr>
+          <p:style>
+            <a:lnRef idx="1">
+              <a:schemeClr val="dk1"/>
+            </a:lnRef>
+            <a:fillRef idx="0">
+              <a:schemeClr val="dk1"/>
+            </a:fillRef>
+            <a:effectRef idx="0">
+              <a:schemeClr val="dk1"/>
+            </a:effectRef>
+            <a:fontRef idx="minor">
+              <a:schemeClr val="tx1"/>
+            </a:fontRef>
+          </p:style>
+        </p:cxnSp>
+        <p:cxnSp>
+          <p:nvCxnSpPr>
+            <p:cNvPr id="41" name="Сполучна лінія: вигнута 40">
+              <a:extLst>
+                <a:ext uri="{FF2B5EF4-FFF2-40B4-BE49-F238E27FC236}">
+                  <a16:creationId xmlns:a16="http://schemas.microsoft.com/office/drawing/2014/main" id="{B6B57021-7F64-47EE-B498-9A3BEC991613}"/>
+                </a:ext>
+              </a:extLst>
+            </p:cNvPr>
+            <p:cNvCxnSpPr>
+              <a:cxnSpLocks/>
+              <a:stCxn id="6" idx="0"/>
+              <a:endCxn id="9" idx="0"/>
+            </p:cNvCxnSpPr>
+            <p:nvPr/>
+          </p:nvCxnSpPr>
+          <p:spPr>
+            <a:xfrm rot="16200000" flipV="1">
+              <a:off x="7942679" y="-22425"/>
+              <a:ext cx="752" cy="2852752"/>
+            </a:xfrm>
+            <a:prstGeom prst="curvedConnector3">
+              <a:avLst>
+                <a:gd name="adj1" fmla="val 40346479"/>
+              </a:avLst>
+            </a:prstGeom>
+            <a:ln>
+              <a:tailEnd type="triangle"/>
+            </a:ln>
+          </p:spPr>
+          <p:style>
+            <a:lnRef idx="1">
+              <a:schemeClr val="dk1"/>
+            </a:lnRef>
+            <a:fillRef idx="0">
+              <a:schemeClr val="dk1"/>
+            </a:fillRef>
+            <a:effectRef idx="0">
+              <a:schemeClr val="dk1"/>
+            </a:effectRef>
+            <a:fontRef idx="minor">
+              <a:schemeClr val="tx1"/>
+            </a:fontRef>
+          </p:style>
+        </p:cxnSp>
+        <p:cxnSp>
+          <p:nvCxnSpPr>
+            <p:cNvPr id="45" name="Сполучна лінія: вигнута 44">
+              <a:extLst>
+                <a:ext uri="{FF2B5EF4-FFF2-40B4-BE49-F238E27FC236}">
+                  <a16:creationId xmlns:a16="http://schemas.microsoft.com/office/drawing/2014/main" id="{5C9CBB36-43D0-47F4-8734-C76EABFC4B5A}"/>
+                </a:ext>
+              </a:extLst>
+            </p:cNvPr>
+            <p:cNvCxnSpPr>
+              <a:cxnSpLocks/>
+              <a:stCxn id="9" idx="2"/>
+              <a:endCxn id="6" idx="2"/>
+            </p:cNvCxnSpPr>
+            <p:nvPr/>
+          </p:nvCxnSpPr>
+          <p:spPr>
+            <a:xfrm rot="5400000" flipH="1" flipV="1">
+              <a:off x="7942678" y="637721"/>
+              <a:ext cx="752" cy="2852752"/>
+            </a:xfrm>
+            <a:prstGeom prst="curvedConnector3">
+              <a:avLst>
+                <a:gd name="adj1" fmla="val -40246479"/>
+              </a:avLst>
+            </a:prstGeom>
+            <a:ln>
+              <a:tailEnd type="triangle"/>
+            </a:ln>
+          </p:spPr>
+          <p:style>
+            <a:lnRef idx="1">
+              <a:schemeClr val="dk1"/>
+            </a:lnRef>
+            <a:fillRef idx="0">
+              <a:schemeClr val="dk1"/>
+            </a:fillRef>
+            <a:effectRef idx="0">
+              <a:schemeClr val="dk1"/>
+            </a:effectRef>
+            <a:fontRef idx="minor">
+              <a:schemeClr val="tx1"/>
+            </a:fontRef>
+          </p:style>
+        </p:cxnSp>
+        <p:sp>
+          <p:nvSpPr>
+            <p:cNvPr id="43" name="Прямокутник 42">
+              <a:extLst>
+                <a:ext uri="{FF2B5EF4-FFF2-40B4-BE49-F238E27FC236}">
+                  <a16:creationId xmlns:a16="http://schemas.microsoft.com/office/drawing/2014/main" id="{E355717E-F5BB-4873-B15A-5FB6E8AC6154}"/>
+                </a:ext>
+              </a:extLst>
+            </p:cNvPr>
+            <p:cNvSpPr/>
+            <p:nvPr/>
+          </p:nvSpPr>
+          <p:spPr>
+            <a:xfrm>
+              <a:off x="5236010" y="319178"/>
+              <a:ext cx="5960853" cy="5986732"/>
+            </a:xfrm>
+            <a:prstGeom prst="rect">
+              <a:avLst/>
+            </a:prstGeom>
+            <a:noFill/>
+            <a:ln w="25400">
+              <a:solidFill>
+                <a:schemeClr val="tx1">
+                  <a:lumMod val="95000"/>
+                  <a:lumOff val="5000"/>
+                </a:schemeClr>
+              </a:solidFill>
+              <a:prstDash val="dash"/>
+            </a:ln>
+          </p:spPr>
+          <p:style>
+            <a:lnRef idx="2">
+              <a:schemeClr val="accent1">
+                <a:shade val="50000"/>
+              </a:schemeClr>
+            </a:lnRef>
+            <a:fillRef idx="1">
+              <a:schemeClr val="accent1"/>
+            </a:fillRef>
+            <a:effectRef idx="0">
+              <a:schemeClr val="accent1"/>
+            </a:effectRef>
+            <a:fontRef idx="minor">
+              <a:schemeClr val="lt1"/>
+            </a:fontRef>
+          </p:style>
+          <p:txBody>
+            <a:bodyPr rtlCol="0" anchor="ctr"/>
+            <a:lstStyle/>
+            <a:p>
+              <a:pPr algn="ctr"/>
+              <a:endParaRPr lang="uk-UA" sz="1200"/>
+            </a:p>
+          </p:txBody>
+        </p:sp>
+        <p:sp>
+          <p:nvSpPr>
+            <p:cNvPr id="46" name="TextBox 45">
+              <a:extLst>
+                <a:ext uri="{FF2B5EF4-FFF2-40B4-BE49-F238E27FC236}">
+                  <a16:creationId xmlns:a16="http://schemas.microsoft.com/office/drawing/2014/main" id="{93608194-B46C-46EE-B3A8-EDEF19B24DA8}"/>
+                </a:ext>
+              </a:extLst>
+            </p:cNvPr>
+            <p:cNvSpPr txBox="1"/>
+            <p:nvPr/>
+          </p:nvSpPr>
+          <p:spPr>
+            <a:xfrm>
+              <a:off x="6365727" y="373961"/>
+              <a:ext cx="3910000" cy="610829"/>
+            </a:xfrm>
+            <a:prstGeom prst="rect">
+              <a:avLst/>
+            </a:prstGeom>
+            <a:noFill/>
+          </p:spPr>
+          <p:txBody>
+            <a:bodyPr wrap="square" rtlCol="0">
+              <a:spAutoFit/>
+            </a:bodyPr>
+            <a:lstStyle/>
+            <a:p>
+              <a:pPr algn="ctr"/>
+              <a:r>
+                <a:rPr lang="en-US" sz="1200" dirty="0"/>
+                <a:t>Debian 9.3 with netcoreapp2.0 </a:t>
+              </a:r>
+            </a:p>
+            <a:p>
+              <a:pPr algn="ctr"/>
+              <a:r>
+                <a:rPr lang="en-US" sz="1200" dirty="0"/>
+                <a:t>localhost loop</a:t>
+              </a:r>
+              <a:endParaRPr lang="uk-UA" sz="1200" dirty="0"/>
+            </a:p>
+          </p:txBody>
+        </p:sp>
+      </p:grpSp>
+      <p:sp>
+        <p:nvSpPr>
+          <p:cNvPr id="67" name="Прямокутник: округлені кути 66">
+            <a:extLst>
+              <a:ext uri="{FF2B5EF4-FFF2-40B4-BE49-F238E27FC236}">
+                <a16:creationId xmlns:a16="http://schemas.microsoft.com/office/drawing/2014/main" id="{C4D2735B-FA07-4402-A3D9-832183ED7C55}"/>
+              </a:ext>
+            </a:extLst>
+          </p:cNvPr>
+          <p:cNvSpPr/>
+          <p:nvPr/>
+        </p:nvSpPr>
+        <p:spPr>
+          <a:xfrm>
+            <a:off x="10008662" y="1460801"/>
+            <a:ext cx="1931468" cy="498371"/>
+          </a:xfrm>
+          <a:prstGeom prst="roundRect">
+            <a:avLst/>
+          </a:prstGeom>
+          <a:ln w="22225">
+            <a:prstDash val="dash"/>
+          </a:ln>
+        </p:spPr>
+        <p:style>
+          <a:lnRef idx="2">
+            <a:schemeClr val="dk1"/>
+          </a:lnRef>
+          <a:fillRef idx="1">
+            <a:schemeClr val="lt1"/>
+          </a:fillRef>
+          <a:effectRef idx="0">
+            <a:schemeClr val="dk1"/>
+          </a:effectRef>
+          <a:fontRef idx="minor">
+            <a:schemeClr val="dk1"/>
+          </a:fontRef>
+        </p:style>
+        <p:txBody>
+          <a:bodyPr rtlCol="0" anchor="ctr"/>
+          <a:lstStyle/>
+          <a:p>
+            <a:pPr algn="ctr"/>
+            <a:r>
+              <a:rPr lang="en-US" sz="1200" dirty="0"/>
+              <a:t>start.nuwm.edu.ua/perelik</a:t>
+            </a:r>
+            <a:endParaRPr lang="uk-UA" sz="1200" dirty="0"/>
+          </a:p>
+        </p:txBody>
+      </p:sp>
+      <p:cxnSp>
+        <p:nvCxnSpPr>
+          <p:cNvPr id="68" name="Сполучна лінія: вигнута 67">
+            <a:extLst>
+              <a:ext uri="{FF2B5EF4-FFF2-40B4-BE49-F238E27FC236}">
+                <a16:creationId xmlns:a16="http://schemas.microsoft.com/office/drawing/2014/main" id="{9CDA71F6-044C-4559-ADB1-555013103ABF}"/>
+              </a:ext>
+            </a:extLst>
+          </p:cNvPr>
+          <p:cNvCxnSpPr>
+            <a:cxnSpLocks/>
+            <a:stCxn id="6" idx="3"/>
+            <a:endCxn id="67" idx="1"/>
+          </p:cNvCxnSpPr>
+          <p:nvPr/>
+        </p:nvCxnSpPr>
+        <p:spPr>
+          <a:xfrm>
+            <a:off x="9638852" y="1705182"/>
+            <a:ext cx="369810" cy="4805"/>
+          </a:xfrm>
+          <a:prstGeom prst="curvedConnector3">
+            <a:avLst>
+              <a:gd name="adj1" fmla="val 50000"/>
+            </a:avLst>
+          </a:prstGeom>
+          <a:ln>
+            <a:tailEnd type="triangle"/>
+          </a:ln>
+        </p:spPr>
+        <p:style>
+          <a:lnRef idx="1">
+            <a:schemeClr val="dk1"/>
+          </a:lnRef>
+          <a:fillRef idx="0">
+            <a:schemeClr val="dk1"/>
+          </a:fillRef>
+          <a:effectRef idx="0">
+            <a:schemeClr val="dk1"/>
+          </a:effectRef>
+          <a:fontRef idx="minor">
+            <a:schemeClr val="tx1"/>
+          </a:fontRef>
+        </p:style>
+      </p:cxnSp>
+      <p:sp>
+        <p:nvSpPr>
+          <p:cNvPr id="95" name="Прямокутник: округлені кути 94">
+            <a:extLst>
+              <a:ext uri="{FF2B5EF4-FFF2-40B4-BE49-F238E27FC236}">
+                <a16:creationId xmlns:a16="http://schemas.microsoft.com/office/drawing/2014/main" id="{B1EEA0A4-3557-4E7D-8A57-A2BCA6FE5F84}"/>
+              </a:ext>
+            </a:extLst>
+          </p:cNvPr>
+          <p:cNvSpPr/>
+          <p:nvPr/>
+        </p:nvSpPr>
+        <p:spPr>
+          <a:xfrm>
+            <a:off x="9875520" y="2754636"/>
+            <a:ext cx="2197753" cy="498371"/>
+          </a:xfrm>
+          <a:prstGeom prst="roundRect">
+            <a:avLst/>
+          </a:prstGeom>
+          <a:ln w="22225">
+            <a:prstDash val="dash"/>
+          </a:ln>
+        </p:spPr>
+        <p:style>
+          <a:lnRef idx="2">
+            <a:schemeClr val="dk1"/>
+          </a:lnRef>
+          <a:fillRef idx="1">
+            <a:schemeClr val="lt1"/>
+          </a:fillRef>
+          <a:effectRef idx="0">
+            <a:schemeClr val="dk1"/>
+          </a:effectRef>
+          <a:fontRef idx="minor">
+            <a:schemeClr val="dk1"/>
+          </a:fontRef>
+        </p:style>
+        <p:txBody>
+          <a:bodyPr rtlCol="0" anchor="ctr"/>
+          <a:lstStyle/>
+          <a:p>
+            <a:pPr algn="ctr"/>
+            <a:r>
+              <a:rPr lang="en-US" sz="1200" dirty="0"/>
+              <a:t>nuwm.edu.ua/usiversity/news</a:t>
+            </a:r>
+            <a:endParaRPr lang="uk-UA" sz="1200" dirty="0"/>
+          </a:p>
+        </p:txBody>
+      </p:sp>
+      <p:cxnSp>
+        <p:nvCxnSpPr>
+          <p:cNvPr id="96" name="Сполучна лінія: вигнута 95">
+            <a:extLst>
+              <a:ext uri="{FF2B5EF4-FFF2-40B4-BE49-F238E27FC236}">
+                <a16:creationId xmlns:a16="http://schemas.microsoft.com/office/drawing/2014/main" id="{CA213BA7-B0BC-438B-A351-28621995B304}"/>
+              </a:ext>
+            </a:extLst>
+          </p:cNvPr>
+          <p:cNvCxnSpPr>
+            <a:cxnSpLocks/>
+            <a:stCxn id="4" idx="3"/>
+            <a:endCxn id="95" idx="1"/>
+          </p:cNvCxnSpPr>
+          <p:nvPr/>
+        </p:nvCxnSpPr>
+        <p:spPr>
+          <a:xfrm>
+            <a:off x="9638852" y="2996991"/>
+            <a:ext cx="236668" cy="6831"/>
+          </a:xfrm>
+          <a:prstGeom prst="curvedConnector3">
+            <a:avLst>
+              <a:gd name="adj1" fmla="val 50000"/>
+            </a:avLst>
+          </a:prstGeom>
+          <a:ln>
+            <a:tailEnd type="triangle"/>
+          </a:ln>
+        </p:spPr>
+        <p:style>
+          <a:lnRef idx="1">
+            <a:schemeClr val="dk1"/>
+          </a:lnRef>
+          <a:fillRef idx="0">
+            <a:schemeClr val="dk1"/>
+          </a:fillRef>
+          <a:effectRef idx="0">
+            <a:schemeClr val="dk1"/>
+          </a:effectRef>
+          <a:fontRef idx="minor">
+            <a:schemeClr val="tx1"/>
+          </a:fontRef>
+        </p:style>
+      </p:cxnSp>
+      <p:sp>
+        <p:nvSpPr>
+          <p:cNvPr id="97" name="Прямокутник: округлені кути 96">
+            <a:extLst>
+              <a:ext uri="{FF2B5EF4-FFF2-40B4-BE49-F238E27FC236}">
+                <a16:creationId xmlns:a16="http://schemas.microsoft.com/office/drawing/2014/main" id="{B3AA7B3F-5C32-4DD4-8AC4-7A62F3A1B96D}"/>
+              </a:ext>
+            </a:extLst>
+          </p:cNvPr>
+          <p:cNvSpPr/>
+          <p:nvPr/>
+        </p:nvSpPr>
+        <p:spPr>
+          <a:xfrm>
+            <a:off x="9855545" y="4007538"/>
+            <a:ext cx="2237701" cy="498371"/>
+          </a:xfrm>
+          <a:prstGeom prst="roundRect">
+            <a:avLst/>
+          </a:prstGeom>
+          <a:ln w="22225">
+            <a:prstDash val="dash"/>
+          </a:ln>
+        </p:spPr>
+        <p:style>
+          <a:lnRef idx="2">
+            <a:schemeClr val="dk1"/>
+          </a:lnRef>
+          <a:fillRef idx="1">
+            <a:schemeClr val="lt1"/>
+          </a:fillRef>
+          <a:effectRef idx="0">
+            <a:schemeClr val="dk1"/>
+          </a:effectRef>
+          <a:fontRef idx="minor">
+            <a:schemeClr val="dk1"/>
+          </a:fontRef>
+        </p:style>
+        <p:txBody>
+          <a:bodyPr rtlCol="0" anchor="ctr"/>
+          <a:lstStyle/>
+          <a:p>
+            <a:pPr algn="ctr"/>
+            <a:r>
+              <a:rPr lang="en-US" sz="1200" dirty="0"/>
+              <a:t>http://desk.nuwm.edu.ua/cgi-bin/timetable.cgi?n=700</a:t>
+            </a:r>
+            <a:endParaRPr lang="uk-UA" sz="1200" dirty="0"/>
+          </a:p>
+        </p:txBody>
+      </p:sp>
+      <p:cxnSp>
+        <p:nvCxnSpPr>
+          <p:cNvPr id="98" name="Сполучна лінія: вигнута 97">
+            <a:extLst>
+              <a:ext uri="{FF2B5EF4-FFF2-40B4-BE49-F238E27FC236}">
+                <a16:creationId xmlns:a16="http://schemas.microsoft.com/office/drawing/2014/main" id="{3766D19B-D899-40FA-B030-4E7325F0EBEF}"/>
+              </a:ext>
+            </a:extLst>
+          </p:cNvPr>
+          <p:cNvCxnSpPr>
+            <a:cxnSpLocks/>
+            <a:stCxn id="5" idx="3"/>
+            <a:endCxn id="97" idx="1"/>
+          </p:cNvCxnSpPr>
+          <p:nvPr/>
+        </p:nvCxnSpPr>
+        <p:spPr>
+          <a:xfrm flipV="1">
+            <a:off x="8844687" y="4256724"/>
+            <a:ext cx="1010858" cy="1"/>
+          </a:xfrm>
+          <a:prstGeom prst="curvedConnector3">
+            <a:avLst>
+              <a:gd name="adj1" fmla="val 50000"/>
+            </a:avLst>
+          </a:prstGeom>
+          <a:ln>
+            <a:tailEnd type="triangle"/>
+          </a:ln>
+        </p:spPr>
+        <p:style>
+          <a:lnRef idx="1">
+            <a:schemeClr val="dk1"/>
+          </a:lnRef>
+          <a:fillRef idx="0">
+            <a:schemeClr val="dk1"/>
+          </a:fillRef>
+          <a:effectRef idx="0">
+            <a:schemeClr val="dk1"/>
+          </a:effectRef>
+          <a:fontRef idx="minor">
+            <a:schemeClr val="tx1"/>
+          </a:fontRef>
+        </p:style>
+      </p:cxnSp>
+      <p:sp>
+        <p:nvSpPr>
+          <p:cNvPr id="109" name="Блок-схема: процес 108">
+            <a:extLst>
+              <a:ext uri="{FF2B5EF4-FFF2-40B4-BE49-F238E27FC236}">
+                <a16:creationId xmlns:a16="http://schemas.microsoft.com/office/drawing/2014/main" id="{7B257489-7AAE-4F97-A56D-34BA00264536}"/>
+              </a:ext>
+            </a:extLst>
+          </p:cNvPr>
+          <p:cNvSpPr/>
+          <p:nvPr/>
+        </p:nvSpPr>
+        <p:spPr>
+          <a:xfrm>
+            <a:off x="8003035" y="1524624"/>
+            <a:ext cx="1570065" cy="363109"/>
+          </a:xfrm>
+          <a:prstGeom prst="flowChartProcess">
+            <a:avLst/>
+          </a:prstGeom>
+        </p:spPr>
+        <p:style>
+          <a:lnRef idx="2">
+            <a:schemeClr val="dk1"/>
+          </a:lnRef>
+          <a:fillRef idx="1">
+            <a:schemeClr val="lt1"/>
+          </a:fillRef>
+          <a:effectRef idx="0">
+            <a:schemeClr val="dk1"/>
+          </a:effectRef>
+          <a:fontRef idx="minor">
+            <a:schemeClr val="dk1"/>
+          </a:fontRef>
+        </p:style>
+        <p:txBody>
+          <a:bodyPr rtlCol="0" anchor="ctr"/>
+          <a:lstStyle/>
+          <a:p>
+            <a:pPr algn="ctr"/>
+            <a:r>
+              <a:rPr lang="en-US" sz="1400" dirty="0"/>
+              <a:t>Cache + Scheduler</a:t>
+            </a:r>
+            <a:endParaRPr lang="uk-UA" sz="1400" dirty="0"/>
+          </a:p>
+        </p:txBody>
+      </p:sp>
+      <p:sp>
+        <p:nvSpPr>
+          <p:cNvPr id="113" name="Блок-схема: процес 112">
+            <a:extLst>
+              <a:ext uri="{FF2B5EF4-FFF2-40B4-BE49-F238E27FC236}">
+                <a16:creationId xmlns:a16="http://schemas.microsoft.com/office/drawing/2014/main" id="{FCC83F0B-F35D-48B3-B374-FD43FA9E4C86}"/>
+              </a:ext>
+            </a:extLst>
+          </p:cNvPr>
+          <p:cNvSpPr/>
+          <p:nvPr/>
+        </p:nvSpPr>
+        <p:spPr>
+          <a:xfrm>
+            <a:off x="8003036" y="2818072"/>
+            <a:ext cx="1543514" cy="363109"/>
+          </a:xfrm>
+          <a:prstGeom prst="flowChartProcess">
+            <a:avLst/>
+          </a:prstGeom>
+        </p:spPr>
+        <p:style>
+          <a:lnRef idx="2">
+            <a:schemeClr val="dk1"/>
+          </a:lnRef>
+          <a:fillRef idx="1">
+            <a:schemeClr val="lt1"/>
+          </a:fillRef>
+          <a:effectRef idx="0">
+            <a:schemeClr val="dk1"/>
+          </a:effectRef>
+          <a:fontRef idx="minor">
+            <a:schemeClr val="dk1"/>
+          </a:fontRef>
+        </p:style>
+        <p:txBody>
+          <a:bodyPr rtlCol="0" anchor="ctr"/>
+          <a:lstStyle/>
+          <a:p>
+            <a:pPr algn="ctr"/>
+            <a:r>
+              <a:rPr lang="en-US" sz="1400" dirty="0"/>
+              <a:t>Cache + Scheduler</a:t>
+            </a:r>
+            <a:endParaRPr lang="uk-UA" sz="1400" dirty="0"/>
+          </a:p>
+        </p:txBody>
+      </p:sp>
     </p:spTree>
     <p:extLst>
       <p:ext uri="{BB962C8B-B14F-4D97-AF65-F5344CB8AC3E}">
